--- a/NLP_1 introduction.pptx
+++ b/NLP_1 introduction.pptx
@@ -7614,7 +7614,7 @@
         <p:spPr>
           <a:xfrm>
             <a:off x="628650" y="876300"/>
-            <a:ext cx="1415772" cy="584775"/>
+            <a:ext cx="5109091" cy="584775"/>
           </a:xfrm>
           <a:prstGeom prst="rect">
             <a:avLst/>
@@ -7629,12 +7629,16 @@
           <a:p>
             <a:pPr algn="l"/>
             <a:r>
-              <a:rPr kumimoji="1" lang="ja-JP" altLang="en-US" sz="3200" dirty="0">
-                <a:latin typeface="メイリオ" panose="020B0604030504040204" pitchFamily="50" charset="-128"/>
-                <a:ea typeface="メイリオ" panose="020B0604030504040204" pitchFamily="50" charset="-128"/>
-              </a:rPr>
-              <a:t>宿　題</a:t>
-            </a:r>
+              <a:rPr kumimoji="1" lang="ja-JP" altLang="en-US" sz="3200">
+                <a:latin typeface="メイリオ" panose="020B0604030504040204" pitchFamily="50" charset="-128"/>
+                <a:ea typeface="メイリオ" panose="020B0604030504040204" pitchFamily="50" charset="-128"/>
+              </a:rPr>
+              <a:t>宿　題（履修の条件です）</a:t>
+            </a:r>
+            <a:endParaRPr kumimoji="1" lang="ja-JP" altLang="en-US" sz="3200" dirty="0">
+              <a:latin typeface="メイリオ" panose="020B0604030504040204" pitchFamily="50" charset="-128"/>
+              <a:ea typeface="メイリオ" panose="020B0604030504040204" pitchFamily="50" charset="-128"/>
+            </a:endParaRPr>
           </a:p>
         </p:txBody>
       </p:sp>
